--- a/资料/课件/OC/OC语言-3.1-内存管理-ARC和非ARC.pptx
+++ b/资料/课件/OC/OC语言-3.1-内存管理-ARC和非ARC.pptx
@@ -5,18 +5,23 @@
     <p:sldMasterId id="2147488748" r:id="rId1"/>
   </p:sldMasterIdLst>
   <p:notesMasterIdLst>
-    <p:notesMasterId r:id="rId3"/>
+    <p:notesMasterId r:id="rId8"/>
   </p:notesMasterIdLst>
   <p:handoutMasterIdLst>
-    <p:handoutMasterId r:id="rId4"/>
+    <p:handoutMasterId r:id="rId9"/>
   </p:handoutMasterIdLst>
   <p:sldIdLst>
     <p:sldId id="1551" r:id="rId2"/>
+    <p:sldId id="1552" r:id="rId3"/>
+    <p:sldId id="1553" r:id="rId4"/>
+    <p:sldId id="1554" r:id="rId5"/>
+    <p:sldId id="1555" r:id="rId6"/>
+    <p:sldId id="1556" r:id="rId7"/>
   </p:sldIdLst>
   <p:sldSz cx="9144000" cy="6858000" type="screen4x3"/>
   <p:notesSz cx="6797675" cy="9874250"/>
   <p:custDataLst>
-    <p:tags r:id="rId6"/>
+    <p:tags r:id="rId11"/>
   </p:custDataLst>
   <p:defaultTextStyle>
     <a:defPPr>
@@ -149,12 +154,17 @@
         <p14:section name="Default Section" id="{5009879F-230C-4AAA-9B60-41FFDFBA99F4}">
           <p14:sldIdLst>
             <p14:sldId id="1551"/>
+            <p14:sldId id="1552"/>
+            <p14:sldId id="1553"/>
+            <p14:sldId id="1554"/>
+            <p14:sldId id="1555"/>
+            <p14:sldId id="1556"/>
           </p14:sldIdLst>
         </p14:section>
       </p14:sectionLst>
     </p:ext>
     <p:ext uri="{EFAFB233-063F-42B5-8137-9DF3F51BA10A}">
-      <p15:sldGuideLst xmlns="" xmlns:p15="http://schemas.microsoft.com/office/powerpoint/2012/main">
+      <p15:sldGuideLst xmlns:p15="http://schemas.microsoft.com/office/powerpoint/2012/main" xmlns="">
         <p15:guide id="1" orient="horz">
           <p15:clr>
             <a:srgbClr val="A4A3A4"/>
@@ -168,7 +178,7 @@
       </p15:sldGuideLst>
     </p:ext>
     <p:ext uri="{2D200454-40CA-4A62-9FC3-DE9A4176ACB9}">
-      <p15:notesGuideLst xmlns="" xmlns:p15="http://schemas.microsoft.com/office/powerpoint/2012/main">
+      <p15:notesGuideLst xmlns:p15="http://schemas.microsoft.com/office/powerpoint/2012/main" xmlns="">
         <p15:guide id="1" orient="horz" pos="3109">
           <p15:clr>
             <a:srgbClr val="A4A3A4"/>
@@ -272,7 +282,7 @@
                 <a:ea typeface="微软雅黑" pitchFamily="34" charset="-122"/>
               </a:rPr>
               <a:pPr/>
-              <a:t>15/3/18</a:t>
+              <a:t>15/3/23</a:t>
             </a:fld>
             <a:endParaRPr lang="zh-CN" altLang="en-US" dirty="0">
               <a:ea typeface="微软雅黑" pitchFamily="34" charset="-122"/>
@@ -476,7 +486,7 @@
             <a:fld id="{DF9E65B2-A0B4-4242-9432-201E84F17494}" type="datetime1">
               <a:rPr lang="en-US" smtClean="0"/>
               <a:pPr/>
-              <a:t>15/3/18</a:t>
+              <a:t>15/3/23</a:t>
             </a:fld>
             <a:endParaRPr lang="en-US" dirty="0"/>
           </a:p>
@@ -1405,7 +1415,7 @@
             <a:fld id="{055FF6D4-D4D7-426A-98F7-170A3668379E}" type="datetime1">
               <a:rPr lang="en-US" smtClean="0"/>
               <a:pPr/>
-              <a:t>15/3/18</a:t>
+              <a:t>15/3/23</a:t>
             </a:fld>
             <a:endParaRPr lang="en-US" dirty="0"/>
           </a:p>
@@ -2032,7 +2042,7 @@
             <a:fld id="{74CBEAF9-9E58-4CC8-A6FF-6DD8A58DEEA4}" type="datetimeFigureOut">
               <a:rPr lang="en-US" smtClean="0"/>
               <a:pPr eaLnBrk="1" latinLnBrk="0" hangingPunct="1"/>
-              <a:t>15/3/18</a:t>
+              <a:t>15/3/23</a:t>
             </a:fld>
             <a:endParaRPr lang="en-US"/>
           </a:p>
@@ -2550,7 +2560,7 @@
             <a:fld id="{74CBEAF9-9E58-4CC8-A6FF-6DD8A58DEEA4}" type="datetimeFigureOut">
               <a:rPr lang="en-US" smtClean="0"/>
               <a:pPr algn="l" eaLnBrk="1" latinLnBrk="0" hangingPunct="1"/>
-              <a:t>15/3/18</a:t>
+              <a:t>15/3/23</a:t>
             </a:fld>
             <a:endParaRPr lang="en-US" dirty="0">
               <a:solidFill>
@@ -3085,7 +3095,7 @@
             <a:fld id="{74CBEAF9-9E58-4CC8-A6FF-6DD8A58DEEA4}" type="datetimeFigureOut">
               <a:rPr lang="en-US" smtClean="0"/>
               <a:pPr algn="l" eaLnBrk="1" latinLnBrk="0" hangingPunct="1"/>
-              <a:t>15/3/18</a:t>
+              <a:t>15/3/23</a:t>
             </a:fld>
             <a:endParaRPr lang="en-US" dirty="0">
               <a:solidFill>
@@ -3921,7 +3931,7 @@
             <a:fld id="{74CBEAF9-9E58-4CC8-A6FF-6DD8A58DEEA4}" type="datetimeFigureOut">
               <a:rPr lang="en-US" smtClean="0"/>
               <a:pPr eaLnBrk="1" latinLnBrk="0" hangingPunct="1"/>
-              <a:t>15/3/18</a:t>
+              <a:t>15/3/23</a:t>
             </a:fld>
             <a:endParaRPr lang="en-US"/>
           </a:p>
@@ -4503,7 +4513,7 @@
             <a:fld id="{42295D47-465E-4A05-802B-049480555B6D}" type="datetime1">
               <a:rPr lang="en-US" smtClean="0"/>
               <a:pPr/>
-              <a:t>15/3/18</a:t>
+              <a:t>15/3/23</a:t>
             </a:fld>
             <a:endParaRPr lang="en-US"/>
           </a:p>
@@ -5134,7 +5144,7 @@
             <a:fld id="{74CBEAF9-9E58-4CC8-A6FF-6DD8A58DEEA4}" type="datetimeFigureOut">
               <a:rPr lang="en-US" smtClean="0"/>
               <a:pPr algn="l" eaLnBrk="1" latinLnBrk="0" hangingPunct="1"/>
-              <a:t>15/3/18</a:t>
+              <a:t>15/3/23</a:t>
             </a:fld>
             <a:endParaRPr lang="en-US" dirty="0">
               <a:solidFill>
@@ -5916,7 +5926,7 @@
             <a:fld id="{74CBEAF9-9E58-4CC8-A6FF-6DD8A58DEEA4}" type="datetimeFigureOut">
               <a:rPr lang="en-US" smtClean="0"/>
               <a:pPr eaLnBrk="1" latinLnBrk="0" hangingPunct="1"/>
-              <a:t>15/3/18</a:t>
+              <a:t>15/3/23</a:t>
             </a:fld>
             <a:endParaRPr lang="en-US"/>
           </a:p>
@@ -6377,7 +6387,7 @@
             <a:fld id="{74CBEAF9-9E58-4CC8-A6FF-6DD8A58DEEA4}" type="datetimeFigureOut">
               <a:rPr lang="en-US" smtClean="0"/>
               <a:pPr eaLnBrk="1" latinLnBrk="0" hangingPunct="1"/>
-              <a:t>15/3/18</a:t>
+              <a:t>15/3/23</a:t>
             </a:fld>
             <a:endParaRPr lang="en-US"/>
           </a:p>
@@ -6806,7 +6816,7 @@
             <a:fld id="{74CBEAF9-9E58-4CC8-A6FF-6DD8A58DEEA4}" type="datetimeFigureOut">
               <a:rPr lang="en-US" smtClean="0"/>
               <a:pPr eaLnBrk="1" latinLnBrk="0" hangingPunct="1"/>
-              <a:t>15/3/18</a:t>
+              <a:t>15/3/23</a:t>
             </a:fld>
             <a:endParaRPr lang="en-US"/>
           </a:p>
@@ -7427,7 +7437,7 @@
             <a:fld id="{74CBEAF9-9E58-4CC8-A6FF-6DD8A58DEEA4}" type="datetimeFigureOut">
               <a:rPr lang="en-US" smtClean="0"/>
               <a:pPr eaLnBrk="1" latinLnBrk="0" hangingPunct="1"/>
-              <a:t>15/3/18</a:t>
+              <a:t>15/3/23</a:t>
             </a:fld>
             <a:endParaRPr lang="en-US"/>
           </a:p>
@@ -7692,7 +7702,7 @@
             <a:fld id="{74CBEAF9-9E58-4CC8-A6FF-6DD8A58DEEA4}" type="datetimeFigureOut">
               <a:rPr lang="en-US" smtClean="0"/>
               <a:pPr algn="l" eaLnBrk="1" latinLnBrk="0" hangingPunct="1"/>
-              <a:t>15/3/18</a:t>
+              <a:t>15/3/23</a:t>
             </a:fld>
             <a:endParaRPr lang="en-US" dirty="0">
               <a:solidFill>
@@ -8464,6 +8474,1533 @@
     <p:extLst>
       <p:ext uri="{BB962C8B-B14F-4D97-AF65-F5344CB8AC3E}">
         <p14:creationId xmlns:p14="http://schemas.microsoft.com/office/powerpoint/2010/main" val="2973930980"/>
+      </p:ext>
+    </p:extLst>
+  </p:cSld>
+  <p:clrMapOvr>
+    <a:masterClrMapping/>
+  </p:clrMapOvr>
+  <p:timing>
+    <p:tnLst>
+      <p:par>
+        <p:cTn xmlns:p14="http://schemas.microsoft.com/office/powerpoint/2010/main" id="1" dur="indefinite" restart="never" nodeType="tmRoot"/>
+      </p:par>
+    </p:tnLst>
+  </p:timing>
+</p:sld>
+</file>
+
+<file path=ppt/slides/slide2.xml><?xml version="1.0" encoding="utf-8"?>
+<p:sld xmlns:a="http://schemas.openxmlformats.org/drawingml/2006/main" xmlns:r="http://schemas.openxmlformats.org/officeDocument/2006/relationships" xmlns:p="http://schemas.openxmlformats.org/presentationml/2006/main">
+  <p:cSld>
+    <p:spTree>
+      <p:nvGrpSpPr>
+        <p:cNvPr id="1" name=""/>
+        <p:cNvGrpSpPr/>
+        <p:nvPr/>
+      </p:nvGrpSpPr>
+      <p:grpSpPr>
+        <a:xfrm>
+          <a:off x="0" y="0"/>
+          <a:ext cx="0" cy="0"/>
+          <a:chOff x="0" y="0"/>
+          <a:chExt cx="0" cy="0"/>
+        </a:xfrm>
+      </p:grpSpPr>
+      <p:sp>
+        <p:nvSpPr>
+          <p:cNvPr id="2" name="标题 1"/>
+          <p:cNvSpPr>
+            <a:spLocks noGrp="1"/>
+          </p:cNvSpPr>
+          <p:nvPr>
+            <p:ph type="title"/>
+          </p:nvPr>
+        </p:nvSpPr>
+        <p:spPr/>
+        <p:txBody>
+          <a:bodyPr/>
+          <a:lstStyle/>
+          <a:p>
+            <a:r>
+              <a:rPr kumimoji="1" lang="en-US" altLang="zh-CN" dirty="0"/>
+              <a:t>ARC</a:t>
+            </a:r>
+            <a:r>
+              <a:rPr kumimoji="1" lang="zh-CN" altLang="en-US" dirty="0"/>
+              <a:t>简介</a:t>
+            </a:r>
+            <a:endParaRPr kumimoji="1" lang="zh-CN" altLang="en-US" dirty="0"/>
+          </a:p>
+        </p:txBody>
+      </p:sp>
+      <p:sp>
+        <p:nvSpPr>
+          <p:cNvPr id="3" name="幻灯片编号占位符 2"/>
+          <p:cNvSpPr>
+            <a:spLocks noGrp="1"/>
+          </p:cNvSpPr>
+          <p:nvPr>
+            <p:ph type="sldNum" sz="quarter" idx="4"/>
+          </p:nvPr>
+        </p:nvSpPr>
+        <p:spPr/>
+        <p:txBody>
+          <a:bodyPr/>
+          <a:lstStyle/>
+          <a:p>
+            <a:fld id="{BF10DB53-D7D3-4DB6-A29F-40217B92EC88}" type="slidenum">
+              <a:rPr lang="en-US" smtClean="0"/>
+              <a:pPr/>
+              <a:t>1</a:t>
+            </a:fld>
+            <a:endParaRPr lang="en-US" dirty="0"/>
+          </a:p>
+        </p:txBody>
+      </p:sp>
+      <p:sp>
+        <p:nvSpPr>
+          <p:cNvPr id="5" name="文本框 4"/>
+          <p:cNvSpPr txBox="1"/>
+          <p:nvPr/>
+        </p:nvSpPr>
+        <p:spPr>
+          <a:xfrm>
+            <a:off x="251520" y="1556792"/>
+            <a:ext cx="8568952" cy="3170099"/>
+          </a:xfrm>
+          <a:prstGeom prst="rect">
+            <a:avLst/>
+          </a:prstGeom>
+          <a:noFill/>
+        </p:spPr>
+        <p:txBody>
+          <a:bodyPr wrap="square" rtlCol="0">
+            <a:spAutoFit/>
+          </a:bodyPr>
+          <a:lstStyle/>
+          <a:p>
+            <a:pPr marL="342900" indent="-342900">
+              <a:buFont typeface="Wingdings" charset="2"/>
+              <a:buChar char="u"/>
+            </a:pPr>
+            <a:r>
+              <a:rPr lang="en-US" altLang="zh-CN" sz="2000" dirty="0"/>
+              <a:t>ARC</a:t>
+            </a:r>
+            <a:r>
+              <a:rPr lang="zh-CN" altLang="zh-CN" sz="2000" dirty="0"/>
+              <a:t>是自</a:t>
+            </a:r>
+            <a:r>
+              <a:rPr lang="en-US" altLang="zh-CN" sz="2000" dirty="0" err="1"/>
+              <a:t>iOS</a:t>
+            </a:r>
+            <a:r>
+              <a:rPr lang="en-US" altLang="zh-CN" sz="2000" dirty="0"/>
+              <a:t> 5</a:t>
+            </a:r>
+            <a:r>
+              <a:rPr lang="zh-CN" altLang="zh-CN" sz="2000" dirty="0"/>
+              <a:t>之后增加的新特性</a:t>
+            </a:r>
+            <a:r>
+              <a:rPr lang="en-US" altLang="zh-CN" sz="2000" dirty="0"/>
+              <a:t>,</a:t>
+            </a:r>
+            <a:r>
+              <a:rPr lang="zh-CN" altLang="en-US" sz="2000" dirty="0"/>
+              <a:t> 是</a:t>
+            </a:r>
+            <a:r>
+              <a:rPr lang="en-US" altLang="zh-CN" sz="2000" dirty="0" err="1"/>
+              <a:t>iOS</a:t>
+            </a:r>
+            <a:r>
+              <a:rPr lang="zh-CN" altLang="en-US" sz="2000" dirty="0"/>
+              <a:t>程序猿的福音</a:t>
+            </a:r>
+            <a:endParaRPr lang="en-US" altLang="zh-CN" sz="2000" dirty="0"/>
+          </a:p>
+          <a:p>
+            <a:pPr marL="342900" indent="-342900">
+              <a:buFont typeface="Wingdings" charset="2"/>
+              <a:buChar char="u"/>
+            </a:pPr>
+            <a:endParaRPr kumimoji="1" lang="en-US" altLang="zh-CN" sz="2000" dirty="0"/>
+          </a:p>
+          <a:p>
+            <a:pPr marL="342900" indent="-342900">
+              <a:buFont typeface="Wingdings" charset="2"/>
+              <a:buChar char="u"/>
+            </a:pPr>
+            <a:r>
+              <a:rPr kumimoji="1" lang="en-US" altLang="zh-CN" sz="2000" dirty="0"/>
+              <a:t>ARC</a:t>
+            </a:r>
+            <a:r>
+              <a:rPr kumimoji="1" lang="zh-CN" altLang="en-US" sz="2000" dirty="0"/>
+              <a:t>的全称是</a:t>
+            </a:r>
+            <a:r>
+              <a:rPr kumimoji="1" lang="en-US" altLang="zh-CN" sz="2000" dirty="0"/>
+              <a:t>Automatic</a:t>
+            </a:r>
+            <a:r>
+              <a:rPr kumimoji="1" lang="zh-CN" altLang="en-US" sz="2000" dirty="0"/>
+              <a:t> </a:t>
+            </a:r>
+            <a:r>
+              <a:rPr kumimoji="1" lang="en-US" altLang="zh-CN" sz="2000" dirty="0"/>
+              <a:t>Reference</a:t>
+            </a:r>
+            <a:r>
+              <a:rPr kumimoji="1" lang="zh-CN" altLang="en-US" sz="2000" dirty="0"/>
+              <a:t> </a:t>
+            </a:r>
+            <a:r>
+              <a:rPr kumimoji="1" lang="en-US" altLang="zh-CN" sz="2000" dirty="0"/>
+              <a:t>Counting(</a:t>
+            </a:r>
+            <a:r>
+              <a:rPr kumimoji="1" lang="zh-CN" altLang="en-US" sz="2000" dirty="0"/>
+              <a:t>自动引用计数</a:t>
+            </a:r>
+            <a:r>
+              <a:rPr kumimoji="1" lang="en-US" altLang="zh-CN" sz="2000" dirty="0"/>
+              <a:t>)</a:t>
+            </a:r>
+          </a:p>
+          <a:p>
+            <a:pPr marL="342900" indent="-342900">
+              <a:buFont typeface="Wingdings" charset="2"/>
+              <a:buChar char="u"/>
+            </a:pPr>
+            <a:endParaRPr kumimoji="1" lang="en-US" altLang="zh-CN" sz="2000" dirty="0"/>
+          </a:p>
+          <a:p>
+            <a:pPr marL="342900" indent="-342900">
+              <a:buFont typeface="Wingdings" charset="2"/>
+              <a:buChar char="u"/>
+            </a:pPr>
+            <a:r>
+              <a:rPr kumimoji="1" lang="en-US" altLang="zh-CN" sz="2000" dirty="0"/>
+              <a:t>ARC</a:t>
+            </a:r>
+            <a:r>
+              <a:rPr kumimoji="1" lang="zh-CN" altLang="en-US" sz="2000" dirty="0"/>
+              <a:t>的实现细节</a:t>
+            </a:r>
+            <a:endParaRPr kumimoji="1" lang="en-US" altLang="zh-CN" sz="2000" dirty="0"/>
+          </a:p>
+          <a:p>
+            <a:pPr marL="342900" indent="-342900">
+              <a:buFont typeface="Wingdings" charset="2"/>
+              <a:buChar char="Ø"/>
+            </a:pPr>
+            <a:r>
+              <a:rPr lang="zh-CN" altLang="zh-CN" sz="2000" dirty="0"/>
+              <a:t>编译器会自动在适当的地方插入适当的</a:t>
+            </a:r>
+            <a:r>
+              <a:rPr lang="en-US" altLang="zh-CN" sz="2000" dirty="0">
+                <a:solidFill>
+                  <a:srgbClr val="AA0D91"/>
+                </a:solidFill>
+                <a:latin typeface="Menlo-Regular"/>
+              </a:rPr>
+              <a:t>retain</a:t>
+            </a:r>
+            <a:r>
+              <a:rPr lang="zh-CN" altLang="zh-CN" sz="2000" dirty="0"/>
+              <a:t>、</a:t>
+            </a:r>
+            <a:r>
+              <a:rPr lang="en-US" altLang="zh-CN" sz="2000" dirty="0">
+                <a:solidFill>
+                  <a:srgbClr val="AA0D91"/>
+                </a:solidFill>
+                <a:latin typeface="Menlo-Regular"/>
+              </a:rPr>
+              <a:t>release</a:t>
+            </a:r>
+            <a:r>
+              <a:rPr lang="zh-CN" altLang="zh-CN" sz="2000" dirty="0"/>
+              <a:t>、</a:t>
+            </a:r>
+            <a:r>
+              <a:rPr lang="en-US" altLang="zh-CN" sz="2000" dirty="0" err="1">
+                <a:solidFill>
+                  <a:srgbClr val="AA0D91"/>
+                </a:solidFill>
+                <a:latin typeface="Menlo-Regular"/>
+              </a:rPr>
+              <a:t>autorelease</a:t>
+            </a:r>
+            <a:r>
+              <a:rPr lang="zh-CN" altLang="zh-CN" sz="2000" dirty="0"/>
+              <a:t>语句</a:t>
+            </a:r>
+            <a:endParaRPr lang="en-US" altLang="zh-CN" sz="2000" dirty="0"/>
+          </a:p>
+          <a:p>
+            <a:pPr marL="342900" indent="-342900">
+              <a:buFont typeface="Wingdings" charset="2"/>
+              <a:buChar char="Ø"/>
+            </a:pPr>
+            <a:r>
+              <a:rPr kumimoji="1" lang="zh-CN" altLang="en-US" sz="2000" dirty="0"/>
+              <a:t>也就是说</a:t>
+            </a:r>
+            <a:r>
+              <a:rPr kumimoji="1" lang="en-US" altLang="zh-CN" sz="2000" dirty="0"/>
+              <a:t>,</a:t>
+            </a:r>
+            <a:r>
+              <a:rPr kumimoji="1" lang="zh-CN" altLang="en-US" sz="2000" dirty="0"/>
+              <a:t> 编译器会自动生成内存管理的代码</a:t>
+            </a:r>
+            <a:r>
+              <a:rPr kumimoji="1" lang="en-US" altLang="zh-CN" sz="2000" dirty="0"/>
+              <a:t>,</a:t>
+            </a:r>
+            <a:r>
+              <a:rPr kumimoji="1" lang="zh-CN" altLang="en-US" sz="2000" dirty="0"/>
+              <a:t> 不用程序猿手动编写</a:t>
+            </a:r>
+            <a:endParaRPr kumimoji="1" lang="en-US" altLang="zh-CN" sz="2000" dirty="0"/>
+          </a:p>
+          <a:p>
+            <a:pPr>
+              <a:buFont typeface="Wingdings" charset="2"/>
+              <a:buChar char="Ø"/>
+            </a:pPr>
+            <a:endParaRPr kumimoji="1" lang="en-US" altLang="zh-CN" sz="2000" dirty="0"/>
+          </a:p>
+          <a:p>
+            <a:pPr marL="342900" indent="-342900">
+              <a:buFont typeface="Wingdings" charset="2"/>
+              <a:buChar char="u"/>
+            </a:pPr>
+            <a:r>
+              <a:rPr kumimoji="1" lang="zh-CN" altLang="en-US" sz="2000" dirty="0"/>
+              <a:t>如果是手动管理内存</a:t>
+            </a:r>
+            <a:r>
+              <a:rPr kumimoji="1" lang="en-US" altLang="zh-CN" sz="2000" dirty="0"/>
+              <a:t>,</a:t>
+            </a:r>
+            <a:r>
+              <a:rPr kumimoji="1" lang="zh-CN" altLang="en-US" sz="2000" dirty="0"/>
+              <a:t> 可以简称</a:t>
+            </a:r>
+            <a:r>
+              <a:rPr kumimoji="1" lang="en-US" altLang="zh-CN" sz="2000" dirty="0"/>
+              <a:t>MRC</a:t>
+            </a:r>
+            <a:r>
+              <a:rPr kumimoji="1" lang="zh-CN" altLang="en-US" sz="2000" dirty="0"/>
+              <a:t> </a:t>
+            </a:r>
+            <a:r>
+              <a:rPr kumimoji="1" lang="en-US" altLang="zh-CN" sz="2000" dirty="0"/>
+              <a:t>(Manual</a:t>
+            </a:r>
+            <a:r>
+              <a:rPr kumimoji="1" lang="zh-CN" altLang="en-US" sz="2000" dirty="0"/>
+              <a:t> </a:t>
+            </a:r>
+            <a:r>
+              <a:rPr kumimoji="1" lang="en-US" altLang="zh-CN" sz="2000" dirty="0"/>
+              <a:t>Reference</a:t>
+            </a:r>
+            <a:r>
+              <a:rPr kumimoji="1" lang="zh-CN" altLang="en-US" sz="2000" dirty="0"/>
+              <a:t> </a:t>
+            </a:r>
+            <a:r>
+              <a:rPr kumimoji="1" lang="en-US" altLang="zh-CN" sz="2000" dirty="0"/>
+              <a:t>Counting)</a:t>
+            </a:r>
+          </a:p>
+        </p:txBody>
+      </p:sp>
+    </p:spTree>
+    <p:extLst>
+      <p:ext uri="{BB962C8B-B14F-4D97-AF65-F5344CB8AC3E}">
+        <p14:creationId xmlns:p14="http://schemas.microsoft.com/office/powerpoint/2010/main" val="4221458205"/>
+      </p:ext>
+    </p:extLst>
+  </p:cSld>
+  <p:clrMapOvr>
+    <a:masterClrMapping/>
+  </p:clrMapOvr>
+  <p:timing>
+    <p:tnLst>
+      <p:par>
+        <p:cTn xmlns:p14="http://schemas.microsoft.com/office/powerpoint/2010/main" id="1" dur="indefinite" restart="never" nodeType="tmRoot"/>
+      </p:par>
+    </p:tnLst>
+  </p:timing>
+</p:sld>
+</file>
+
+<file path=ppt/slides/slide3.xml><?xml version="1.0" encoding="utf-8"?>
+<p:sld xmlns:a="http://schemas.openxmlformats.org/drawingml/2006/main" xmlns:r="http://schemas.openxmlformats.org/officeDocument/2006/relationships" xmlns:p="http://schemas.openxmlformats.org/presentationml/2006/main">
+  <p:cSld>
+    <p:spTree>
+      <p:nvGrpSpPr>
+        <p:cNvPr id="1" name=""/>
+        <p:cNvGrpSpPr/>
+        <p:nvPr/>
+      </p:nvGrpSpPr>
+      <p:grpSpPr>
+        <a:xfrm>
+          <a:off x="0" y="0"/>
+          <a:ext cx="0" cy="0"/>
+          <a:chOff x="0" y="0"/>
+          <a:chExt cx="0" cy="0"/>
+        </a:xfrm>
+      </p:grpSpPr>
+      <p:sp>
+        <p:nvSpPr>
+          <p:cNvPr id="2" name="标题 1"/>
+          <p:cNvSpPr>
+            <a:spLocks noGrp="1"/>
+          </p:cNvSpPr>
+          <p:nvPr>
+            <p:ph type="title"/>
+          </p:nvPr>
+        </p:nvSpPr>
+        <p:spPr/>
+        <p:txBody>
+          <a:bodyPr/>
+          <a:lstStyle/>
+          <a:p>
+            <a:r>
+              <a:rPr kumimoji="1" lang="en-US" altLang="zh-CN" dirty="0"/>
+              <a:t>ARC</a:t>
+            </a:r>
+            <a:r>
+              <a:rPr kumimoji="1" lang="zh-CN" altLang="en-US" dirty="0"/>
+              <a:t>的注意点和优点</a:t>
+            </a:r>
+            <a:endParaRPr kumimoji="1" lang="zh-CN" altLang="en-US" dirty="0"/>
+          </a:p>
+        </p:txBody>
+      </p:sp>
+      <p:sp>
+        <p:nvSpPr>
+          <p:cNvPr id="3" name="幻灯片编号占位符 2"/>
+          <p:cNvSpPr>
+            <a:spLocks noGrp="1"/>
+          </p:cNvSpPr>
+          <p:nvPr>
+            <p:ph type="sldNum" sz="quarter" idx="4"/>
+          </p:nvPr>
+        </p:nvSpPr>
+        <p:spPr/>
+        <p:txBody>
+          <a:bodyPr/>
+          <a:lstStyle/>
+          <a:p>
+            <a:fld id="{BF10DB53-D7D3-4DB6-A29F-40217B92EC88}" type="slidenum">
+              <a:rPr lang="en-US" smtClean="0"/>
+              <a:pPr/>
+              <a:t>2</a:t>
+            </a:fld>
+            <a:endParaRPr lang="en-US" dirty="0"/>
+          </a:p>
+        </p:txBody>
+      </p:sp>
+      <p:sp>
+        <p:nvSpPr>
+          <p:cNvPr id="5" name="文本框 4"/>
+          <p:cNvSpPr txBox="1"/>
+          <p:nvPr/>
+        </p:nvSpPr>
+        <p:spPr>
+          <a:xfrm>
+            <a:off x="251520" y="1556792"/>
+            <a:ext cx="8568952" cy="3518912"/>
+          </a:xfrm>
+          <a:prstGeom prst="rect">
+            <a:avLst/>
+          </a:prstGeom>
+          <a:noFill/>
+        </p:spPr>
+        <p:txBody>
+          <a:bodyPr wrap="square" rtlCol="0">
+            <a:spAutoFit/>
+          </a:bodyPr>
+          <a:lstStyle/>
+          <a:p>
+            <a:pPr marL="342900" indent="-342900">
+              <a:lnSpc>
+                <a:spcPct val="140000"/>
+              </a:lnSpc>
+              <a:buFont typeface="Wingdings" charset="2"/>
+              <a:buChar char="u"/>
+            </a:pPr>
+            <a:r>
+              <a:rPr kumimoji="1" lang="en-US" altLang="zh-CN" sz="2000" dirty="0"/>
+              <a:t>ARC</a:t>
+            </a:r>
+            <a:r>
+              <a:rPr kumimoji="1" lang="zh-CN" altLang="en-US" sz="2000" dirty="0"/>
+              <a:t>的注意点</a:t>
+            </a:r>
+            <a:endParaRPr kumimoji="1" lang="en-US" altLang="zh-CN" sz="2000" dirty="0"/>
+          </a:p>
+          <a:p>
+            <a:pPr marL="342900" indent="-342900">
+              <a:lnSpc>
+                <a:spcPct val="140000"/>
+              </a:lnSpc>
+              <a:buFont typeface="Wingdings" charset="2"/>
+              <a:buChar char="Ø"/>
+            </a:pPr>
+            <a:r>
+              <a:rPr lang="en-US" altLang="zh-CN" sz="2000" dirty="0"/>
+              <a:t>ARC</a:t>
+            </a:r>
+            <a:r>
+              <a:rPr lang="zh-CN" altLang="zh-CN" sz="2000" dirty="0"/>
+              <a:t>是编译器特性，而不是运行时特性</a:t>
+            </a:r>
+            <a:endParaRPr lang="en-US" altLang="zh-CN" sz="2000" dirty="0"/>
+          </a:p>
+          <a:p>
+            <a:pPr marL="342900" indent="-342900">
+              <a:lnSpc>
+                <a:spcPct val="140000"/>
+              </a:lnSpc>
+              <a:buFont typeface="Wingdings" charset="2"/>
+              <a:buChar char="Ø"/>
+            </a:pPr>
+            <a:r>
+              <a:rPr lang="en-US" altLang="zh-CN" sz="2000" dirty="0" smtClean="0"/>
+              <a:t>ARC</a:t>
+            </a:r>
+            <a:r>
+              <a:rPr lang="zh-CN" altLang="zh-CN" sz="2000" dirty="0" smtClean="0"/>
+              <a:t>不是其它语言中的垃圾</a:t>
+            </a:r>
+            <a:r>
+              <a:rPr lang="zh-CN" altLang="en-US" sz="2000" dirty="0" smtClean="0"/>
+              <a:t>回收</a:t>
+            </a:r>
+            <a:r>
+              <a:rPr lang="en-US" altLang="zh-CN" sz="2000" dirty="0" smtClean="0"/>
+              <a:t>,</a:t>
+            </a:r>
+            <a:r>
+              <a:rPr lang="zh-CN" altLang="en-US" sz="2000" dirty="0" smtClean="0"/>
+              <a:t> 有着本质区别</a:t>
+            </a:r>
+            <a:endParaRPr lang="en-US" altLang="zh-CN" sz="2000" dirty="0" smtClean="0"/>
+          </a:p>
+          <a:p>
+            <a:pPr>
+              <a:lnSpc>
+                <a:spcPct val="140000"/>
+              </a:lnSpc>
+              <a:buFont typeface="Wingdings" charset="2"/>
+              <a:buChar char="Ø"/>
+            </a:pPr>
+            <a:endParaRPr lang="en-US" altLang="zh-CN" sz="2000" dirty="0"/>
+          </a:p>
+          <a:p>
+            <a:pPr marL="342900" indent="-342900">
+              <a:lnSpc>
+                <a:spcPct val="140000"/>
+              </a:lnSpc>
+              <a:buFont typeface="Wingdings" charset="2"/>
+              <a:buChar char="u"/>
+            </a:pPr>
+            <a:r>
+              <a:rPr lang="en-US" altLang="zh-CN" sz="2000" dirty="0"/>
+              <a:t>ARC</a:t>
+            </a:r>
+            <a:r>
+              <a:rPr lang="zh-CN" altLang="en-US" sz="2000" dirty="0"/>
+              <a:t>的优点</a:t>
+            </a:r>
+            <a:endParaRPr lang="en-US" altLang="zh-CN" sz="2000" dirty="0"/>
+          </a:p>
+          <a:p>
+            <a:pPr marL="342900" indent="-342900">
+              <a:lnSpc>
+                <a:spcPct val="140000"/>
+              </a:lnSpc>
+              <a:buFont typeface="Wingdings" charset="2"/>
+              <a:buChar char="Ø"/>
+            </a:pPr>
+            <a:r>
+              <a:rPr lang="zh-CN" altLang="zh-CN" sz="2000" dirty="0"/>
+              <a:t>完全消除了手动管理内存的烦琐</a:t>
+            </a:r>
+            <a:r>
+              <a:rPr lang="en-US" altLang="zh-CN" sz="2000" dirty="0"/>
+              <a:t>,</a:t>
+            </a:r>
+            <a:r>
+              <a:rPr lang="zh-CN" altLang="en-US" sz="2000" dirty="0"/>
+              <a:t> 让程序猿更加专注于</a:t>
+            </a:r>
+            <a:r>
+              <a:rPr lang="en-US" altLang="zh-CN" sz="2000" dirty="0"/>
+              <a:t>app</a:t>
+            </a:r>
+            <a:r>
+              <a:rPr lang="zh-CN" altLang="en-US" sz="2000" dirty="0"/>
+              <a:t>的业务</a:t>
+            </a:r>
+            <a:endParaRPr lang="en-US" altLang="zh-CN" sz="2000" dirty="0"/>
+          </a:p>
+          <a:p>
+            <a:pPr marL="342900" indent="-342900">
+              <a:lnSpc>
+                <a:spcPct val="140000"/>
+              </a:lnSpc>
+              <a:buFont typeface="Wingdings" charset="2"/>
+              <a:buChar char="Ø"/>
+            </a:pPr>
+            <a:r>
+              <a:rPr lang="zh-CN" altLang="en-US" sz="2000" dirty="0"/>
+              <a:t>基本上能够避免内存泄露</a:t>
+            </a:r>
+            <a:endParaRPr lang="en-US" altLang="zh-CN" sz="2000" dirty="0"/>
+          </a:p>
+          <a:p>
+            <a:pPr marL="342900" indent="-342900">
+              <a:lnSpc>
+                <a:spcPct val="140000"/>
+              </a:lnSpc>
+              <a:buFont typeface="Wingdings" charset="2"/>
+              <a:buChar char="Ø"/>
+            </a:pPr>
+            <a:r>
+              <a:rPr lang="zh-CN" altLang="zh-CN" sz="2000" dirty="0"/>
+              <a:t>有时还能更加快速，因为编译器还可以执行某些优化</a:t>
+            </a:r>
+            <a:r>
+              <a:rPr lang="en-US" altLang="zh-CN" sz="2000" dirty="0"/>
+              <a:t> </a:t>
+            </a:r>
+          </a:p>
+        </p:txBody>
+      </p:sp>
+    </p:spTree>
+    <p:extLst>
+      <p:ext uri="{BB962C8B-B14F-4D97-AF65-F5344CB8AC3E}">
+        <p14:creationId xmlns:p14="http://schemas.microsoft.com/office/powerpoint/2010/main" val="2421645947"/>
+      </p:ext>
+    </p:extLst>
+  </p:cSld>
+  <p:clrMapOvr>
+    <a:masterClrMapping/>
+  </p:clrMapOvr>
+  <p:timing>
+    <p:tnLst>
+      <p:par>
+        <p:cTn xmlns:p14="http://schemas.microsoft.com/office/powerpoint/2010/main" id="1" dur="indefinite" restart="never" nodeType="tmRoot"/>
+      </p:par>
+    </p:tnLst>
+  </p:timing>
+</p:sld>
+</file>
+
+<file path=ppt/slides/slide4.xml><?xml version="1.0" encoding="utf-8"?>
+<p:sld xmlns:a="http://schemas.openxmlformats.org/drawingml/2006/main" xmlns:r="http://schemas.openxmlformats.org/officeDocument/2006/relationships" xmlns:p="http://schemas.openxmlformats.org/presentationml/2006/main">
+  <p:cSld>
+    <p:spTree>
+      <p:nvGrpSpPr>
+        <p:cNvPr id="1" name=""/>
+        <p:cNvGrpSpPr/>
+        <p:nvPr/>
+      </p:nvGrpSpPr>
+      <p:grpSpPr>
+        <a:xfrm>
+          <a:off x="0" y="0"/>
+          <a:ext cx="0" cy="0"/>
+          <a:chOff x="0" y="0"/>
+          <a:chExt cx="0" cy="0"/>
+        </a:xfrm>
+      </p:grpSpPr>
+      <p:sp>
+        <p:nvSpPr>
+          <p:cNvPr id="2" name="标题 1"/>
+          <p:cNvSpPr>
+            <a:spLocks noGrp="1"/>
+          </p:cNvSpPr>
+          <p:nvPr>
+            <p:ph type="title"/>
+          </p:nvPr>
+        </p:nvSpPr>
+        <p:spPr/>
+        <p:txBody>
+          <a:bodyPr/>
+          <a:lstStyle/>
+          <a:p>
+            <a:r>
+              <a:rPr kumimoji="1" lang="en-US" altLang="zh-CN" dirty="0"/>
+              <a:t>ARC</a:t>
+            </a:r>
+            <a:r>
+              <a:rPr kumimoji="1" lang="zh-CN" altLang="en-US" dirty="0"/>
+              <a:t>的判断原则</a:t>
+            </a:r>
+            <a:endParaRPr kumimoji="1" lang="zh-CN" altLang="en-US" dirty="0"/>
+          </a:p>
+        </p:txBody>
+      </p:sp>
+      <p:sp>
+        <p:nvSpPr>
+          <p:cNvPr id="3" name="幻灯片编号占位符 2"/>
+          <p:cNvSpPr>
+            <a:spLocks noGrp="1"/>
+          </p:cNvSpPr>
+          <p:nvPr>
+            <p:ph type="sldNum" sz="quarter" idx="4"/>
+          </p:nvPr>
+        </p:nvSpPr>
+        <p:spPr/>
+        <p:txBody>
+          <a:bodyPr/>
+          <a:lstStyle/>
+          <a:p>
+            <a:fld id="{BF10DB53-D7D3-4DB6-A29F-40217B92EC88}" type="slidenum">
+              <a:rPr lang="en-US" smtClean="0"/>
+              <a:pPr/>
+              <a:t>3</a:t>
+            </a:fld>
+            <a:endParaRPr lang="en-US" dirty="0"/>
+          </a:p>
+        </p:txBody>
+      </p:sp>
+      <p:sp>
+        <p:nvSpPr>
+          <p:cNvPr id="5" name="文本框 4"/>
+          <p:cNvSpPr txBox="1"/>
+          <p:nvPr/>
+        </p:nvSpPr>
+        <p:spPr>
+          <a:xfrm>
+            <a:off x="251520" y="1556792"/>
+            <a:ext cx="8568952" cy="3939540"/>
+          </a:xfrm>
+          <a:prstGeom prst="rect">
+            <a:avLst/>
+          </a:prstGeom>
+          <a:noFill/>
+        </p:spPr>
+        <p:txBody>
+          <a:bodyPr wrap="square" rtlCol="0">
+            <a:spAutoFit/>
+          </a:bodyPr>
+          <a:lstStyle/>
+          <a:p>
+            <a:pPr marL="342900" indent="-342900">
+              <a:lnSpc>
+                <a:spcPct val="150000"/>
+              </a:lnSpc>
+              <a:buFont typeface="Wingdings" charset="2"/>
+              <a:buChar char="u"/>
+            </a:pPr>
+            <a:r>
+              <a:rPr kumimoji="1" lang="en-US" altLang="zh-CN" sz="2000" dirty="0"/>
+              <a:t>ARC</a:t>
+            </a:r>
+            <a:r>
+              <a:rPr kumimoji="1" lang="zh-CN" altLang="en-US" sz="2000" dirty="0"/>
+              <a:t>的判断原则</a:t>
+            </a:r>
+            <a:endParaRPr kumimoji="1" lang="en-US" altLang="zh-CN" sz="2000" dirty="0"/>
+          </a:p>
+          <a:p>
+            <a:pPr marL="342900" indent="-342900">
+              <a:lnSpc>
+                <a:spcPct val="150000"/>
+              </a:lnSpc>
+              <a:buFont typeface="Wingdings" charset="2"/>
+              <a:buChar char="Ø"/>
+            </a:pPr>
+            <a:r>
+              <a:rPr lang="en-US" altLang="zh-CN" sz="2000" dirty="0"/>
+              <a:t>只要还有一个强指针变量指向对象，对象就会保持在内存中</a:t>
+            </a:r>
+          </a:p>
+          <a:p>
+            <a:pPr>
+              <a:buFont typeface="Wingdings" charset="2"/>
+              <a:buChar char="Ø"/>
+            </a:pPr>
+            <a:endParaRPr kumimoji="1" lang="en-US" altLang="zh-CN" sz="2000" dirty="0"/>
+          </a:p>
+          <a:p>
+            <a:pPr marL="342900" indent="-342900">
+              <a:lnSpc>
+                <a:spcPct val="150000"/>
+              </a:lnSpc>
+              <a:buFont typeface="Wingdings" charset="2"/>
+              <a:buChar char="u"/>
+            </a:pPr>
+            <a:r>
+              <a:rPr kumimoji="1" lang="zh-CN" altLang="en-US" sz="2000" dirty="0"/>
+              <a:t>强指针</a:t>
+            </a:r>
+            <a:endParaRPr kumimoji="1" lang="en-US" altLang="zh-CN" sz="2000" dirty="0"/>
+          </a:p>
+          <a:p>
+            <a:pPr marL="342900" lvl="0" indent="-342900">
+              <a:lnSpc>
+                <a:spcPct val="150000"/>
+              </a:lnSpc>
+              <a:buFont typeface="Wingdings" charset="2"/>
+              <a:buChar char="Ø"/>
+            </a:pPr>
+            <a:r>
+              <a:rPr lang="en-US" altLang="zh-CN" sz="2000" dirty="0"/>
+              <a:t>默认所有</a:t>
+            </a:r>
+            <a:r>
+              <a:rPr lang="zh-CN" altLang="en-US" sz="2000" dirty="0"/>
+              <a:t>指针</a:t>
+            </a:r>
+            <a:r>
+              <a:rPr lang="en-US" altLang="zh-CN" sz="2000" dirty="0"/>
+              <a:t>变量都是</a:t>
+            </a:r>
+            <a:r>
+              <a:rPr lang="zh-CN" altLang="en-US" sz="2000" dirty="0"/>
+              <a:t>强</a:t>
+            </a:r>
+            <a:r>
+              <a:rPr lang="en-US" altLang="zh-CN" sz="2000" dirty="0"/>
+              <a:t>指针</a:t>
+            </a:r>
+          </a:p>
+          <a:p>
+            <a:pPr marL="342900" indent="-342900">
+              <a:lnSpc>
+                <a:spcPct val="150000"/>
+              </a:lnSpc>
+              <a:buFont typeface="Wingdings" charset="2"/>
+              <a:buChar char="Ø"/>
+            </a:pPr>
+            <a:r>
+              <a:rPr lang="zh-CN" altLang="en-US" sz="2000" dirty="0"/>
+              <a:t>被</a:t>
+            </a:r>
+            <a:r>
+              <a:rPr lang="en-US" altLang="zh-CN" sz="2000" dirty="0">
+                <a:solidFill>
+                  <a:srgbClr val="AA0D91"/>
+                </a:solidFill>
+                <a:latin typeface="Menlo-Regular"/>
+              </a:rPr>
+              <a:t>__strong</a:t>
+            </a:r>
+            <a:r>
+              <a:rPr lang="zh-CN" altLang="en-US" sz="2000" dirty="0"/>
+              <a:t>修饰的指针</a:t>
+            </a:r>
+            <a:endParaRPr kumimoji="1" lang="en-US" altLang="zh-CN" sz="2000" dirty="0"/>
+          </a:p>
+          <a:p>
+            <a:pPr>
+              <a:lnSpc>
+                <a:spcPct val="150000"/>
+              </a:lnSpc>
+            </a:pPr>
+            <a:endParaRPr kumimoji="1" lang="en-US" altLang="zh-CN" sz="2000" dirty="0"/>
+          </a:p>
+          <a:p>
+            <a:pPr marL="342900" indent="-342900">
+              <a:lnSpc>
+                <a:spcPct val="150000"/>
+              </a:lnSpc>
+              <a:buFont typeface="Wingdings" charset="2"/>
+              <a:buChar char="u"/>
+            </a:pPr>
+            <a:r>
+              <a:rPr kumimoji="1" lang="zh-CN" altLang="en-US" sz="2000" dirty="0"/>
+              <a:t>弱指针</a:t>
+            </a:r>
+            <a:endParaRPr kumimoji="1" lang="en-US" altLang="zh-CN" sz="2000" dirty="0"/>
+          </a:p>
+          <a:p>
+            <a:pPr marL="342900" indent="-342900">
+              <a:buFont typeface="Wingdings" charset="2"/>
+              <a:buChar char="Ø"/>
+            </a:pPr>
+            <a:r>
+              <a:rPr lang="zh-CN" altLang="en-US" sz="2000" dirty="0"/>
+              <a:t>被</a:t>
+            </a:r>
+            <a:r>
+              <a:rPr lang="en-US" altLang="zh-CN" sz="2000" dirty="0">
+                <a:solidFill>
+                  <a:srgbClr val="AA0D91"/>
+                </a:solidFill>
+                <a:latin typeface="Menlo-Regular"/>
+              </a:rPr>
+              <a:t>__weak</a:t>
+            </a:r>
+            <a:r>
+              <a:rPr lang="zh-CN" altLang="en-US" sz="2000" dirty="0"/>
+              <a:t>修饰的指针</a:t>
+            </a:r>
+            <a:endParaRPr kumimoji="1" lang="en-US" altLang="zh-CN" sz="2000" dirty="0"/>
+          </a:p>
+        </p:txBody>
+      </p:sp>
+    </p:spTree>
+    <p:extLst>
+      <p:ext uri="{BB962C8B-B14F-4D97-AF65-F5344CB8AC3E}">
+        <p14:creationId xmlns:p14="http://schemas.microsoft.com/office/powerpoint/2010/main" val="2123704113"/>
+      </p:ext>
+    </p:extLst>
+  </p:cSld>
+  <p:clrMapOvr>
+    <a:masterClrMapping/>
+  </p:clrMapOvr>
+  <p:timing>
+    <p:tnLst>
+      <p:par>
+        <p:cTn xmlns:p14="http://schemas.microsoft.com/office/powerpoint/2010/main" id="1" dur="indefinite" restart="never" nodeType="tmRoot"/>
+      </p:par>
+    </p:tnLst>
+  </p:timing>
+</p:sld>
+</file>
+
+<file path=ppt/slides/slide5.xml><?xml version="1.0" encoding="utf-8"?>
+<p:sld xmlns:a="http://schemas.openxmlformats.org/drawingml/2006/main" xmlns:r="http://schemas.openxmlformats.org/officeDocument/2006/relationships" xmlns:p="http://schemas.openxmlformats.org/presentationml/2006/main">
+  <p:cSld>
+    <p:spTree>
+      <p:nvGrpSpPr>
+        <p:cNvPr id="1" name=""/>
+        <p:cNvGrpSpPr/>
+        <p:nvPr/>
+      </p:nvGrpSpPr>
+      <p:grpSpPr>
+        <a:xfrm>
+          <a:off x="0" y="0"/>
+          <a:ext cx="0" cy="0"/>
+          <a:chOff x="0" y="0"/>
+          <a:chExt cx="0" cy="0"/>
+        </a:xfrm>
+      </p:grpSpPr>
+      <p:sp>
+        <p:nvSpPr>
+          <p:cNvPr id="2" name="标题 1"/>
+          <p:cNvSpPr>
+            <a:spLocks noGrp="1"/>
+          </p:cNvSpPr>
+          <p:nvPr>
+            <p:ph type="title"/>
+          </p:nvPr>
+        </p:nvSpPr>
+        <p:spPr/>
+        <p:txBody>
+          <a:bodyPr/>
+          <a:lstStyle/>
+          <a:p>
+            <a:r>
+              <a:rPr kumimoji="1" lang="en-US" altLang="zh-CN" dirty="0"/>
+              <a:t>ARC</a:t>
+            </a:r>
+            <a:r>
+              <a:rPr kumimoji="1" lang="zh-CN" altLang="en-US" dirty="0"/>
+              <a:t>的使用细节</a:t>
+            </a:r>
+            <a:endParaRPr kumimoji="1" lang="zh-CN" altLang="en-US" dirty="0"/>
+          </a:p>
+        </p:txBody>
+      </p:sp>
+      <p:sp>
+        <p:nvSpPr>
+          <p:cNvPr id="3" name="幻灯片编号占位符 2"/>
+          <p:cNvSpPr>
+            <a:spLocks noGrp="1"/>
+          </p:cNvSpPr>
+          <p:nvPr>
+            <p:ph type="sldNum" sz="quarter" idx="4"/>
+          </p:nvPr>
+        </p:nvSpPr>
+        <p:spPr/>
+        <p:txBody>
+          <a:bodyPr/>
+          <a:lstStyle/>
+          <a:p>
+            <a:fld id="{BF10DB53-D7D3-4DB6-A29F-40217B92EC88}" type="slidenum">
+              <a:rPr lang="en-US" smtClean="0"/>
+              <a:pPr/>
+              <a:t>4</a:t>
+            </a:fld>
+            <a:endParaRPr lang="en-US" dirty="0"/>
+          </a:p>
+        </p:txBody>
+      </p:sp>
+      <p:sp>
+        <p:nvSpPr>
+          <p:cNvPr id="5" name="文本框 4"/>
+          <p:cNvSpPr txBox="1"/>
+          <p:nvPr/>
+        </p:nvSpPr>
+        <p:spPr>
+          <a:xfrm>
+            <a:off x="251520" y="1556792"/>
+            <a:ext cx="8568952" cy="3606115"/>
+          </a:xfrm>
+          <a:prstGeom prst="rect">
+            <a:avLst/>
+          </a:prstGeom>
+          <a:noFill/>
+        </p:spPr>
+        <p:txBody>
+          <a:bodyPr wrap="square" rtlCol="0">
+            <a:spAutoFit/>
+          </a:bodyPr>
+          <a:lstStyle/>
+          <a:p>
+            <a:pPr marL="342900" lvl="0" indent="-342900">
+              <a:buFont typeface="Wingdings" charset="2"/>
+              <a:buChar char="u"/>
+            </a:pPr>
+            <a:r>
+              <a:rPr lang="zh-CN" altLang="zh-CN" sz="2000" dirty="0"/>
+              <a:t>不能调用</a:t>
+            </a:r>
+            <a:r>
+              <a:rPr lang="en-US" altLang="zh-CN" sz="2000" dirty="0">
+                <a:solidFill>
+                  <a:srgbClr val="AA0D91"/>
+                </a:solidFill>
+                <a:latin typeface="Menlo-Regular"/>
+              </a:rPr>
+              <a:t>release</a:t>
+            </a:r>
+            <a:r>
+              <a:rPr lang="zh-CN" altLang="zh-CN" sz="2000" dirty="0"/>
+              <a:t>、</a:t>
+            </a:r>
+            <a:r>
+              <a:rPr lang="en-US" altLang="zh-CN" sz="2000" dirty="0">
+                <a:solidFill>
+                  <a:srgbClr val="AA0D91"/>
+                </a:solidFill>
+                <a:latin typeface="Menlo-Regular"/>
+              </a:rPr>
+              <a:t>retain</a:t>
+            </a:r>
+            <a:r>
+              <a:rPr lang="zh-CN" altLang="zh-CN" sz="2000" dirty="0"/>
+              <a:t>、</a:t>
+            </a:r>
+            <a:r>
+              <a:rPr lang="en-US" altLang="zh-CN" sz="2000" dirty="0" err="1">
+                <a:solidFill>
+                  <a:srgbClr val="AA0D91"/>
+                </a:solidFill>
+                <a:latin typeface="Menlo-Regular"/>
+              </a:rPr>
+              <a:t>autorelease</a:t>
+            </a:r>
+            <a:r>
+              <a:rPr lang="zh-CN" altLang="zh-CN" sz="2000" dirty="0"/>
+              <a:t>、</a:t>
+            </a:r>
+            <a:r>
+              <a:rPr lang="en-US" altLang="zh-CN" sz="2000" dirty="0" err="1">
+                <a:solidFill>
+                  <a:srgbClr val="AA0D91"/>
+                </a:solidFill>
+                <a:latin typeface="Menlo-Regular"/>
+              </a:rPr>
+              <a:t>retainCount</a:t>
+            </a:r>
+            <a:endParaRPr lang="en-US" altLang="zh-CN" sz="2000" dirty="0">
+              <a:solidFill>
+                <a:srgbClr val="AA0D91"/>
+              </a:solidFill>
+              <a:latin typeface="Menlo-Regular"/>
+            </a:endParaRPr>
+          </a:p>
+          <a:p>
+            <a:pPr lvl="0"/>
+            <a:endParaRPr lang="en-US" altLang="zh-CN" sz="2000" dirty="0"/>
+          </a:p>
+          <a:p>
+            <a:pPr marL="342900" lvl="0" indent="-342900">
+              <a:buFont typeface="Wingdings" charset="2"/>
+              <a:buChar char="u"/>
+            </a:pPr>
+            <a:r>
+              <a:rPr lang="zh-CN" altLang="zh-CN" sz="2000" dirty="0"/>
+              <a:t>可以重写</a:t>
+            </a:r>
+            <a:r>
+              <a:rPr lang="en-US" altLang="zh-CN" sz="2000" dirty="0" err="1"/>
+              <a:t>dealloc</a:t>
+            </a:r>
+            <a:r>
+              <a:rPr lang="zh-CN" altLang="zh-CN" sz="2000" dirty="0"/>
+              <a:t>，但是不能调用</a:t>
+            </a:r>
+            <a:r>
+              <a:rPr lang="en-US" altLang="zh-CN" sz="2000" dirty="0"/>
+              <a:t>[</a:t>
+            </a:r>
+            <a:r>
+              <a:rPr lang="en-US" altLang="zh-CN" sz="2000" dirty="0">
+                <a:solidFill>
+                  <a:srgbClr val="AA0D91"/>
+                </a:solidFill>
+                <a:latin typeface="Menlo-Regular"/>
+              </a:rPr>
+              <a:t>super</a:t>
+            </a:r>
+            <a:r>
+              <a:rPr lang="en-US" altLang="zh-CN" sz="2000" dirty="0"/>
+              <a:t> </a:t>
+            </a:r>
+            <a:r>
+              <a:rPr lang="en-US" altLang="zh-CN" sz="2000" dirty="0" err="1"/>
+              <a:t>dealloc</a:t>
+            </a:r>
+            <a:r>
+              <a:rPr lang="en-US" altLang="zh-CN" sz="2000" dirty="0"/>
+              <a:t>]</a:t>
+            </a:r>
+          </a:p>
+          <a:p>
+            <a:pPr lvl="0"/>
+            <a:endParaRPr lang="en-US" altLang="zh-CN" sz="2000" dirty="0"/>
+          </a:p>
+          <a:p>
+            <a:pPr marL="342900" lvl="0" indent="-342900">
+              <a:lnSpc>
+                <a:spcPct val="150000"/>
+              </a:lnSpc>
+              <a:buFont typeface="Wingdings" charset="2"/>
+              <a:buChar char="u"/>
+            </a:pPr>
+            <a:r>
+              <a:rPr lang="en-US" altLang="zh-CN" sz="2000" dirty="0"/>
+              <a:t>ARC</a:t>
+            </a:r>
+            <a:r>
+              <a:rPr lang="zh-CN" altLang="en-US" sz="2000" dirty="0"/>
+              <a:t>中的</a:t>
+            </a:r>
+            <a:r>
+              <a:rPr lang="en-US" altLang="zh-CN" sz="2000" dirty="0">
+                <a:solidFill>
+                  <a:srgbClr val="AA0D91"/>
+                </a:solidFill>
+                <a:latin typeface="Menlo-Regular"/>
+              </a:rPr>
+              <a:t>@property</a:t>
+            </a:r>
+          </a:p>
+          <a:p>
+            <a:pPr marL="342900" lvl="0" indent="-342900">
+              <a:lnSpc>
+                <a:spcPct val="150000"/>
+              </a:lnSpc>
+              <a:buClr>
+                <a:schemeClr val="tx1"/>
+              </a:buClr>
+              <a:buFont typeface="Wingdings" charset="2"/>
+              <a:buChar char="Ø"/>
+            </a:pPr>
+            <a:r>
+              <a:rPr lang="en-US" altLang="zh-CN" sz="2000" dirty="0">
+                <a:solidFill>
+                  <a:srgbClr val="AA0D91"/>
+                </a:solidFill>
+                <a:latin typeface="Menlo-Regular"/>
+              </a:rPr>
+              <a:t>strong</a:t>
+            </a:r>
+            <a:r>
+              <a:rPr lang="zh-CN" altLang="en-US" sz="2000" dirty="0"/>
+              <a:t> </a:t>
+            </a:r>
+            <a:r>
+              <a:rPr lang="en-US" altLang="zh-CN" sz="2000" dirty="0"/>
+              <a:t>:</a:t>
+            </a:r>
+            <a:r>
+              <a:rPr lang="zh-CN" altLang="en-US" sz="2000" dirty="0"/>
+              <a:t> 用于</a:t>
+            </a:r>
+            <a:r>
+              <a:rPr lang="en-US" altLang="zh-CN" sz="2000" dirty="0"/>
+              <a:t>OC</a:t>
+            </a:r>
+            <a:r>
+              <a:rPr lang="zh-CN" altLang="en-US" sz="2000" dirty="0"/>
+              <a:t>对象</a:t>
+            </a:r>
+            <a:r>
+              <a:rPr lang="en-US" altLang="zh-CN" sz="2000" dirty="0"/>
+              <a:t>,</a:t>
+            </a:r>
+            <a:r>
+              <a:rPr lang="zh-CN" altLang="en-US" sz="2000" dirty="0"/>
+              <a:t> 相当于</a:t>
+            </a:r>
+            <a:r>
+              <a:rPr lang="en-US" altLang="zh-CN" sz="2000" dirty="0"/>
+              <a:t>MRC</a:t>
+            </a:r>
+            <a:r>
+              <a:rPr lang="zh-CN" altLang="en-US" sz="2000" dirty="0"/>
+              <a:t>中的</a:t>
+            </a:r>
+            <a:r>
+              <a:rPr lang="en-US" altLang="zh-CN" sz="2000" dirty="0">
+                <a:solidFill>
+                  <a:srgbClr val="AA0D91"/>
+                </a:solidFill>
+                <a:latin typeface="Menlo-Regular"/>
+              </a:rPr>
+              <a:t>retain</a:t>
+            </a:r>
+          </a:p>
+          <a:p>
+            <a:pPr marL="342900" lvl="0" indent="-342900">
+              <a:lnSpc>
+                <a:spcPct val="150000"/>
+              </a:lnSpc>
+              <a:buClr>
+                <a:schemeClr val="tx1"/>
+              </a:buClr>
+              <a:buFont typeface="Wingdings" charset="2"/>
+              <a:buChar char="Ø"/>
+            </a:pPr>
+            <a:r>
+              <a:rPr lang="en-US" altLang="zh-CN" sz="2000" dirty="0">
+                <a:solidFill>
+                  <a:srgbClr val="AA0D91"/>
+                </a:solidFill>
+                <a:latin typeface="Menlo-Regular"/>
+              </a:rPr>
+              <a:t>weak</a:t>
+            </a:r>
+            <a:r>
+              <a:rPr lang="zh-CN" altLang="en-US" sz="2000" dirty="0"/>
+              <a:t> </a:t>
+            </a:r>
+            <a:r>
+              <a:rPr lang="en-US" altLang="zh-CN" sz="2000" dirty="0"/>
+              <a:t>:</a:t>
+            </a:r>
+            <a:r>
+              <a:rPr lang="zh-CN" altLang="en-US" sz="2000" dirty="0"/>
+              <a:t> 用于</a:t>
+            </a:r>
+            <a:r>
+              <a:rPr lang="en-US" altLang="zh-CN" sz="2000" dirty="0"/>
+              <a:t>OC</a:t>
+            </a:r>
+            <a:r>
+              <a:rPr lang="zh-CN" altLang="en-US" sz="2000" dirty="0"/>
+              <a:t>对象</a:t>
+            </a:r>
+            <a:r>
+              <a:rPr lang="en-US" altLang="zh-CN" sz="2000" dirty="0"/>
+              <a:t>,</a:t>
+            </a:r>
+            <a:r>
+              <a:rPr lang="zh-CN" altLang="en-US" sz="2000" dirty="0"/>
+              <a:t> 相当于</a:t>
+            </a:r>
+            <a:r>
+              <a:rPr lang="en-US" altLang="zh-CN" sz="2000" dirty="0"/>
+              <a:t>MRC</a:t>
+            </a:r>
+            <a:r>
+              <a:rPr lang="zh-CN" altLang="en-US" sz="2000" dirty="0"/>
+              <a:t>中的</a:t>
+            </a:r>
+            <a:r>
+              <a:rPr lang="en-US" altLang="zh-CN" sz="2000" dirty="0">
+                <a:solidFill>
+                  <a:srgbClr val="AA0D91"/>
+                </a:solidFill>
+                <a:latin typeface="Menlo-Regular"/>
+              </a:rPr>
+              <a:t>assign</a:t>
+            </a:r>
+          </a:p>
+          <a:p>
+            <a:pPr marL="342900" indent="-342900">
+              <a:lnSpc>
+                <a:spcPct val="150000"/>
+              </a:lnSpc>
+              <a:buClr>
+                <a:schemeClr val="tx1"/>
+              </a:buClr>
+              <a:buFont typeface="Wingdings" charset="2"/>
+              <a:buChar char="Ø"/>
+            </a:pPr>
+            <a:r>
+              <a:rPr lang="en-US" altLang="zh-CN" sz="2000" dirty="0">
+                <a:solidFill>
+                  <a:srgbClr val="AA0D91"/>
+                </a:solidFill>
+                <a:latin typeface="Menlo-Regular"/>
+              </a:rPr>
+              <a:t>assign</a:t>
+            </a:r>
+            <a:r>
+              <a:rPr lang="zh-CN" altLang="en-US" sz="2000" dirty="0"/>
+              <a:t> </a:t>
+            </a:r>
+            <a:r>
+              <a:rPr lang="en-US" altLang="zh-CN" sz="2000" dirty="0"/>
+              <a:t>:</a:t>
+            </a:r>
+            <a:r>
+              <a:rPr lang="zh-CN" altLang="en-US" sz="2000" dirty="0"/>
+              <a:t> 用于基本数据类型</a:t>
+            </a:r>
+            <a:r>
+              <a:rPr lang="en-US" altLang="zh-CN" sz="2000" dirty="0"/>
+              <a:t>,</a:t>
+            </a:r>
+            <a:r>
+              <a:rPr lang="zh-CN" altLang="en-US" sz="2000" dirty="0"/>
+              <a:t> 跟</a:t>
+            </a:r>
+            <a:r>
+              <a:rPr lang="en-US" altLang="zh-CN" sz="2000" dirty="0"/>
+              <a:t>MRC</a:t>
+            </a:r>
+            <a:r>
+              <a:rPr lang="zh-CN" altLang="en-US" sz="2000" dirty="0"/>
+              <a:t>中的</a:t>
+            </a:r>
+            <a:r>
+              <a:rPr lang="en-US" altLang="zh-CN" sz="2000" dirty="0">
+                <a:solidFill>
+                  <a:srgbClr val="AA0D91"/>
+                </a:solidFill>
+                <a:latin typeface="Menlo-Regular"/>
+              </a:rPr>
+              <a:t>assign</a:t>
+            </a:r>
+            <a:r>
+              <a:rPr lang="zh-CN" altLang="en-US" sz="2000" dirty="0"/>
+              <a:t>一样</a:t>
+            </a:r>
+            <a:endParaRPr lang="en-US" altLang="zh-CN" sz="2000" dirty="0"/>
+          </a:p>
+          <a:p>
+            <a:pPr marL="342900" lvl="0" indent="-342900">
+              <a:lnSpc>
+                <a:spcPct val="150000"/>
+              </a:lnSpc>
+              <a:buClr>
+                <a:schemeClr val="tx1"/>
+              </a:buClr>
+              <a:buFont typeface="Wingdings" charset="2"/>
+              <a:buChar char="Ø"/>
+            </a:pPr>
+            <a:r>
+              <a:rPr lang="en-US" altLang="zh-CN" sz="2000" dirty="0">
+                <a:solidFill>
+                  <a:srgbClr val="AA0D91"/>
+                </a:solidFill>
+                <a:latin typeface="Menlo-Regular"/>
+              </a:rPr>
+              <a:t>copy</a:t>
+            </a:r>
+            <a:r>
+              <a:rPr lang="zh-CN" altLang="en-US" sz="2000" dirty="0"/>
+              <a:t> </a:t>
+            </a:r>
+            <a:r>
+              <a:rPr lang="en-US" altLang="zh-CN" sz="2000" dirty="0"/>
+              <a:t>:</a:t>
+            </a:r>
+            <a:r>
+              <a:rPr lang="zh-CN" altLang="en-US" sz="2000" dirty="0"/>
+              <a:t> 一般用于</a:t>
+            </a:r>
+            <a:r>
+              <a:rPr lang="en-US" altLang="zh-CN" sz="2000" dirty="0" err="1">
+                <a:solidFill>
+                  <a:srgbClr val="AA0D91"/>
+                </a:solidFill>
+                <a:latin typeface="Menlo-Regular"/>
+              </a:rPr>
+              <a:t>NSString</a:t>
+            </a:r>
+            <a:r>
+              <a:rPr lang="en-US" altLang="zh-CN" sz="2000" dirty="0"/>
+              <a:t>,</a:t>
+            </a:r>
+            <a:r>
+              <a:rPr lang="zh-CN" altLang="en-US" sz="2000" dirty="0"/>
+              <a:t> 跟</a:t>
+            </a:r>
+            <a:r>
+              <a:rPr lang="en-US" altLang="zh-CN" sz="2000" dirty="0"/>
+              <a:t>MRC</a:t>
+            </a:r>
+            <a:r>
+              <a:rPr lang="zh-CN" altLang="en-US" sz="2000" dirty="0"/>
+              <a:t>中的</a:t>
+            </a:r>
+            <a:r>
+              <a:rPr lang="en-US" altLang="zh-CN" sz="2000" dirty="0">
+                <a:solidFill>
+                  <a:srgbClr val="AA0D91"/>
+                </a:solidFill>
+                <a:latin typeface="Menlo-Regular"/>
+              </a:rPr>
+              <a:t>copy</a:t>
+            </a:r>
+            <a:r>
+              <a:rPr lang="zh-CN" altLang="en-US" sz="2000" dirty="0"/>
+              <a:t>一样</a:t>
+            </a:r>
+            <a:endParaRPr lang="en-US" altLang="zh-CN" sz="2000" dirty="0"/>
+          </a:p>
+        </p:txBody>
+      </p:sp>
+    </p:spTree>
+    <p:extLst>
+      <p:ext uri="{BB962C8B-B14F-4D97-AF65-F5344CB8AC3E}">
+        <p14:creationId xmlns:p14="http://schemas.microsoft.com/office/powerpoint/2010/main" val="4148994690"/>
+      </p:ext>
+    </p:extLst>
+  </p:cSld>
+  <p:clrMapOvr>
+    <a:masterClrMapping/>
+  </p:clrMapOvr>
+  <p:timing>
+    <p:tnLst>
+      <p:par>
+        <p:cTn xmlns:p14="http://schemas.microsoft.com/office/powerpoint/2010/main" id="1" dur="indefinite" restart="never" nodeType="tmRoot"/>
+      </p:par>
+    </p:tnLst>
+  </p:timing>
+</p:sld>
+</file>
+
+<file path=ppt/slides/slide6.xml><?xml version="1.0" encoding="utf-8"?>
+<p:sld xmlns:a="http://schemas.openxmlformats.org/drawingml/2006/main" xmlns:r="http://schemas.openxmlformats.org/officeDocument/2006/relationships" xmlns:p="http://schemas.openxmlformats.org/presentationml/2006/main">
+  <p:cSld>
+    <p:spTree>
+      <p:nvGrpSpPr>
+        <p:cNvPr id="1" name=""/>
+        <p:cNvGrpSpPr/>
+        <p:nvPr/>
+      </p:nvGrpSpPr>
+      <p:grpSpPr>
+        <a:xfrm>
+          <a:off x="0" y="0"/>
+          <a:ext cx="0" cy="0"/>
+          <a:chOff x="0" y="0"/>
+          <a:chExt cx="0" cy="0"/>
+        </a:xfrm>
+      </p:grpSpPr>
+      <p:sp>
+        <p:nvSpPr>
+          <p:cNvPr id="2" name="标题 1"/>
+          <p:cNvSpPr>
+            <a:spLocks noGrp="1"/>
+          </p:cNvSpPr>
+          <p:nvPr>
+            <p:ph type="title"/>
+          </p:nvPr>
+        </p:nvSpPr>
+        <p:spPr/>
+        <p:txBody>
+          <a:bodyPr/>
+          <a:lstStyle/>
+          <a:p>
+            <a:r>
+              <a:rPr kumimoji="1" lang="en-US" altLang="zh-CN" dirty="0"/>
+              <a:t>MRC</a:t>
+            </a:r>
+            <a:r>
+              <a:rPr kumimoji="1" lang="zh-CN" altLang="en-US" dirty="0"/>
+              <a:t>转为</a:t>
+            </a:r>
+            <a:r>
+              <a:rPr kumimoji="1" lang="en-US" altLang="zh-CN" dirty="0"/>
+              <a:t>ARC</a:t>
+            </a:r>
+            <a:endParaRPr kumimoji="1" lang="zh-CN" altLang="en-US" dirty="0"/>
+          </a:p>
+        </p:txBody>
+      </p:sp>
+      <p:sp>
+        <p:nvSpPr>
+          <p:cNvPr id="3" name="幻灯片编号占位符 2"/>
+          <p:cNvSpPr>
+            <a:spLocks noGrp="1"/>
+          </p:cNvSpPr>
+          <p:nvPr>
+            <p:ph type="sldNum" sz="quarter" idx="4"/>
+          </p:nvPr>
+        </p:nvSpPr>
+        <p:spPr/>
+        <p:txBody>
+          <a:bodyPr/>
+          <a:lstStyle/>
+          <a:p>
+            <a:fld id="{BF10DB53-D7D3-4DB6-A29F-40217B92EC88}" type="slidenum">
+              <a:rPr lang="en-US" smtClean="0"/>
+              <a:pPr/>
+              <a:t>5</a:t>
+            </a:fld>
+            <a:endParaRPr lang="en-US" dirty="0"/>
+          </a:p>
+        </p:txBody>
+      </p:sp>
+      <p:pic>
+        <p:nvPicPr>
+          <p:cNvPr id="6" name="图片 5" descr="QQ20140513-1@2x.png"/>
+          <p:cNvPicPr>
+            <a:picLocks noChangeAspect="1"/>
+          </p:cNvPicPr>
+          <p:nvPr/>
+        </p:nvPicPr>
+        <p:blipFill>
+          <a:blip r:embed="rId2">
+            <a:extLst>
+              <a:ext uri="{28A0092B-C50C-407E-A947-70E740481C1C}">
+                <a14:useLocalDpi xmlns:a14="http://schemas.microsoft.com/office/drawing/2010/main" val="0"/>
+              </a:ext>
+            </a:extLst>
+          </a:blip>
+          <a:stretch>
+            <a:fillRect/>
+          </a:stretch>
+        </p:blipFill>
+        <p:spPr>
+          <a:xfrm>
+            <a:off x="1550205" y="1507715"/>
+            <a:ext cx="6054414" cy="4906658"/>
+          </a:xfrm>
+          <a:prstGeom prst="rect">
+            <a:avLst/>
+          </a:prstGeom>
+        </p:spPr>
+      </p:pic>
+    </p:spTree>
+    <p:extLst>
+      <p:ext uri="{BB962C8B-B14F-4D97-AF65-F5344CB8AC3E}">
+        <p14:creationId xmlns:p14="http://schemas.microsoft.com/office/powerpoint/2010/main" val="2644082711"/>
       </p:ext>
     </p:extLst>
   </p:cSld>
